--- a/docs/estruturacao_visualizacao.pptx
+++ b/docs/estruturacao_visualizacao.pptx
@@ -7,10 +7,10 @@
   <p:sldIdLst>
     <p:sldId id="257" r:id="rId2"/>
     <p:sldId id="258" r:id="rId3"/>
-    <p:sldId id="262" r:id="rId4"/>
+    <p:sldId id="260" r:id="rId4"/>
     <p:sldId id="263" r:id="rId5"/>
-    <p:sldId id="259" r:id="rId6"/>
-    <p:sldId id="260" r:id="rId7"/>
+    <p:sldId id="262" r:id="rId6"/>
+    <p:sldId id="259" r:id="rId7"/>
     <p:sldId id="261" r:id="rId8"/>
   </p:sldIdLst>
   <p:sldSz cx="12192000" cy="6858000"/>
@@ -110,6 +110,11 @@
       </a:defRPr>
     </a:lvl9pPr>
   </p:defaultTextStyle>
+  <p:extLst>
+    <p:ext uri="{EFAFB233-063F-42B5-8137-9DF3F51BA10A}">
+      <p15:sldGuideLst xmlns:p15="http://schemas.microsoft.com/office/powerpoint/2012/main"/>
+    </p:ext>
+  </p:extLst>
 </p:presentation>
 </file>
 
@@ -260,7 +265,7 @@
           <a:p>
             <a:fld id="{9FDAAB33-10A6-49C1-A3ED-1435EF09CB24}" type="datetimeFigureOut">
               <a:rPr lang="pt-BR" smtClean="0"/>
-              <a:t>31/03/2025</a:t>
+              <a:t>14/04/2025</a:t>
             </a:fld>
             <a:endParaRPr lang="pt-BR"/>
           </a:p>
@@ -458,7 +463,7 @@
           <a:p>
             <a:fld id="{9FDAAB33-10A6-49C1-A3ED-1435EF09CB24}" type="datetimeFigureOut">
               <a:rPr lang="pt-BR" smtClean="0"/>
-              <a:t>31/03/2025</a:t>
+              <a:t>14/04/2025</a:t>
             </a:fld>
             <a:endParaRPr lang="pt-BR"/>
           </a:p>
@@ -666,7 +671,7 @@
           <a:p>
             <a:fld id="{9FDAAB33-10A6-49C1-A3ED-1435EF09CB24}" type="datetimeFigureOut">
               <a:rPr lang="pt-BR" smtClean="0"/>
-              <a:t>31/03/2025</a:t>
+              <a:t>14/04/2025</a:t>
             </a:fld>
             <a:endParaRPr lang="pt-BR"/>
           </a:p>
@@ -864,7 +869,7 @@
           <a:p>
             <a:fld id="{9FDAAB33-10A6-49C1-A3ED-1435EF09CB24}" type="datetimeFigureOut">
               <a:rPr lang="pt-BR" smtClean="0"/>
-              <a:t>31/03/2025</a:t>
+              <a:t>14/04/2025</a:t>
             </a:fld>
             <a:endParaRPr lang="pt-BR"/>
           </a:p>
@@ -1139,7 +1144,7 @@
           <a:p>
             <a:fld id="{9FDAAB33-10A6-49C1-A3ED-1435EF09CB24}" type="datetimeFigureOut">
               <a:rPr lang="pt-BR" smtClean="0"/>
-              <a:t>31/03/2025</a:t>
+              <a:t>14/04/2025</a:t>
             </a:fld>
             <a:endParaRPr lang="pt-BR"/>
           </a:p>
@@ -1404,7 +1409,7 @@
           <a:p>
             <a:fld id="{9FDAAB33-10A6-49C1-A3ED-1435EF09CB24}" type="datetimeFigureOut">
               <a:rPr lang="pt-BR" smtClean="0"/>
-              <a:t>31/03/2025</a:t>
+              <a:t>14/04/2025</a:t>
             </a:fld>
             <a:endParaRPr lang="pt-BR"/>
           </a:p>
@@ -1816,7 +1821,7 @@
           <a:p>
             <a:fld id="{9FDAAB33-10A6-49C1-A3ED-1435EF09CB24}" type="datetimeFigureOut">
               <a:rPr lang="pt-BR" smtClean="0"/>
-              <a:t>31/03/2025</a:t>
+              <a:t>14/04/2025</a:t>
             </a:fld>
             <a:endParaRPr lang="pt-BR"/>
           </a:p>
@@ -1957,7 +1962,7 @@
           <a:p>
             <a:fld id="{9FDAAB33-10A6-49C1-A3ED-1435EF09CB24}" type="datetimeFigureOut">
               <a:rPr lang="pt-BR" smtClean="0"/>
-              <a:t>31/03/2025</a:t>
+              <a:t>14/04/2025</a:t>
             </a:fld>
             <a:endParaRPr lang="pt-BR"/>
           </a:p>
@@ -2070,7 +2075,7 @@
           <a:p>
             <a:fld id="{9FDAAB33-10A6-49C1-A3ED-1435EF09CB24}" type="datetimeFigureOut">
               <a:rPr lang="pt-BR" smtClean="0"/>
-              <a:t>31/03/2025</a:t>
+              <a:t>14/04/2025</a:t>
             </a:fld>
             <a:endParaRPr lang="pt-BR"/>
           </a:p>
@@ -2381,7 +2386,7 @@
           <a:p>
             <a:fld id="{9FDAAB33-10A6-49C1-A3ED-1435EF09CB24}" type="datetimeFigureOut">
               <a:rPr lang="pt-BR" smtClean="0"/>
-              <a:t>31/03/2025</a:t>
+              <a:t>14/04/2025</a:t>
             </a:fld>
             <a:endParaRPr lang="pt-BR"/>
           </a:p>
@@ -2669,7 +2674,7 @@
           <a:p>
             <a:fld id="{9FDAAB33-10A6-49C1-A3ED-1435EF09CB24}" type="datetimeFigureOut">
               <a:rPr lang="pt-BR" smtClean="0"/>
-              <a:t>31/03/2025</a:t>
+              <a:t>14/04/2025</a:t>
             </a:fld>
             <a:endParaRPr lang="pt-BR"/>
           </a:p>
@@ -2910,7 +2915,7 @@
           <a:p>
             <a:fld id="{9FDAAB33-10A6-49C1-A3ED-1435EF09CB24}" type="datetimeFigureOut">
               <a:rPr lang="pt-BR" smtClean="0"/>
-              <a:t>31/03/2025</a:t>
+              <a:t>14/04/2025</a:t>
             </a:fld>
             <a:endParaRPr lang="pt-BR"/>
           </a:p>
@@ -3932,45 +3937,64 @@
       </p:grpSpPr>
       <p:sp>
         <p:nvSpPr>
-          <p:cNvPr id="2" name="Título 1">
-            <a:extLst>
-              <a:ext uri="{FF2B5EF4-FFF2-40B4-BE49-F238E27FC236}">
-                <a16:creationId xmlns:a16="http://schemas.microsoft.com/office/drawing/2014/main" id="{AF7B20EA-D57C-4833-A489-5DA0EB7A8AA7}"/>
-              </a:ext>
-            </a:extLst>
-          </p:cNvPr>
-          <p:cNvSpPr>
-            <a:spLocks noGrp="1"/>
-          </p:cNvSpPr>
-          <p:nvPr>
-            <p:ph type="title"/>
-          </p:nvPr>
+          <p:cNvPr id="6" name="Título 1">
+            <a:extLst>
+              <a:ext uri="{FF2B5EF4-FFF2-40B4-BE49-F238E27FC236}">
+                <a16:creationId xmlns:a16="http://schemas.microsoft.com/office/drawing/2014/main" id="{FEEDE772-6CB4-4737-9686-AA525FC915C9}"/>
+              </a:ext>
+            </a:extLst>
+          </p:cNvPr>
+          <p:cNvSpPr txBox="1">
+            <a:spLocks/>
+          </p:cNvSpPr>
+          <p:nvPr/>
         </p:nvSpPr>
         <p:spPr>
           <a:xfrm>
             <a:off x="728133" y="97895"/>
-            <a:ext cx="795867" cy="537105"/>
-          </a:xfrm>
-        </p:spPr>
-        <p:txBody>
-          <a:bodyPr>
-            <a:normAutofit fontScale="90000"/>
+            <a:ext cx="440267" cy="583142"/>
+          </a:xfrm>
+          <a:prstGeom prst="rect">
+            <a:avLst/>
+          </a:prstGeom>
+        </p:spPr>
+        <p:txBody>
+          <a:bodyPr vert="horz" lIns="91440" tIns="45720" rIns="91440" bIns="45720" rtlCol="0" anchor="ctr">
+            <a:normAutofit fontScale="97500"/>
           </a:bodyPr>
-          <a:lstStyle/>
+          <a:lstStyle>
+            <a:lvl1pPr algn="l" defTabSz="914400" rtl="0" eaLnBrk="1" latinLnBrk="0" hangingPunct="1">
+              <a:lnSpc>
+                <a:spcPct val="90000"/>
+              </a:lnSpc>
+              <a:spcBef>
+                <a:spcPct val="0"/>
+              </a:spcBef>
+              <a:buNone/>
+              <a:defRPr sz="4400" kern="1200">
+                <a:solidFill>
+                  <a:schemeClr val="tx1"/>
+                </a:solidFill>
+                <a:latin typeface="+mj-lt"/>
+                <a:ea typeface="+mj-ea"/>
+                <a:cs typeface="+mj-cs"/>
+              </a:defRPr>
+            </a:lvl1pPr>
+          </a:lstStyle>
           <a:p>
             <a:r>
               <a:rPr lang="pt-BR" sz="3600" dirty="0"/>
-              <a:t>1.2</a:t>
-            </a:r>
-          </a:p>
-        </p:txBody>
-      </p:sp>
-      <p:sp>
-        <p:nvSpPr>
-          <p:cNvPr id="4" name="CaixaDeTexto 3">
-            <a:extLst>
-              <a:ext uri="{FF2B5EF4-FFF2-40B4-BE49-F238E27FC236}">
-                <a16:creationId xmlns:a16="http://schemas.microsoft.com/office/drawing/2014/main" id="{F1C96B1C-DD12-432D-B1A5-6FF9A16D7797}"/>
+              <a:t>3</a:t>
+            </a:r>
+          </a:p>
+        </p:txBody>
+      </p:sp>
+      <p:sp>
+        <p:nvSpPr>
+          <p:cNvPr id="7" name="CaixaDeTexto 6">
+            <a:extLst>
+              <a:ext uri="{FF2B5EF4-FFF2-40B4-BE49-F238E27FC236}">
+                <a16:creationId xmlns:a16="http://schemas.microsoft.com/office/drawing/2014/main" id="{A1F9FE44-A56A-47C0-8D03-ABB03B23919E}"/>
               </a:ext>
             </a:extLst>
           </p:cNvPr>
@@ -3979,8 +4003,8 @@
         </p:nvSpPr>
         <p:spPr>
           <a:xfrm>
-            <a:off x="1820333" y="204800"/>
-            <a:ext cx="7636933" cy="369332"/>
+            <a:off x="1718733" y="238667"/>
+            <a:ext cx="9389534" cy="369332"/>
           </a:xfrm>
           <a:prstGeom prst="rect">
             <a:avLst/>
@@ -3995,17 +4019,17 @@
           <a:p>
             <a:r>
               <a:rPr lang="pt-BR" dirty="0"/>
-              <a:t>#### Quais os tipos de crimes em destaque?</a:t>
-            </a:r>
-          </a:p>
-        </p:txBody>
-      </p:sp>
-      <p:sp>
-        <p:nvSpPr>
-          <p:cNvPr id="3" name="CaixaDeTexto 2">
-            <a:extLst>
-              <a:ext uri="{FF2B5EF4-FFF2-40B4-BE49-F238E27FC236}">
-                <a16:creationId xmlns:a16="http://schemas.microsoft.com/office/drawing/2014/main" id="{D2F23DDC-E233-4AC6-8888-48E4FDCEEB3D}"/>
+              <a:t>#### Certas categorias de crime (propriedade, pessoa e sociedade) são mais frequentes?</a:t>
+            </a:r>
+          </a:p>
+        </p:txBody>
+      </p:sp>
+      <p:sp>
+        <p:nvSpPr>
+          <p:cNvPr id="12" name="CaixaDeTexto 11">
+            <a:extLst>
+              <a:ext uri="{FF2B5EF4-FFF2-40B4-BE49-F238E27FC236}">
+                <a16:creationId xmlns:a16="http://schemas.microsoft.com/office/drawing/2014/main" id="{46203D53-C7B3-4F4E-8EC2-26A478796E58}"/>
               </a:ext>
             </a:extLst>
           </p:cNvPr>
@@ -4014,8 +4038,8 @@
         </p:nvSpPr>
         <p:spPr>
           <a:xfrm>
-            <a:off x="524934" y="4428067"/>
-            <a:ext cx="4792133" cy="1954381"/>
+            <a:off x="1126066" y="3887900"/>
+            <a:ext cx="9939867" cy="2800767"/>
           </a:xfrm>
           <a:prstGeom prst="rect">
             <a:avLst/>
@@ -4030,7 +4054,19 @@
           <a:p>
             <a:r>
               <a:rPr lang="pt-BR" sz="1100" dirty="0"/>
-              <a:t># ~43% dos crimes se dividem em LARCENY-THEFT (32.1%) e BURGLARY (10.8%).</a:t>
+              <a:t># PROPERTY (67,8%) | propriedade</a:t>
+            </a:r>
+          </a:p>
+          <a:p>
+            <a:r>
+              <a:rPr lang="pt-BR" sz="1100" dirty="0"/>
+              <a:t># Inclui crimes contra a propriedade, como furto, roubo, arrombamento e vandalismo. </a:t>
+            </a:r>
+          </a:p>
+          <a:p>
+            <a:r>
+              <a:rPr lang="pt-BR" sz="1100" dirty="0"/>
+              <a:t># A expressiva quantidade de ocorrências nessa categoria indica necessidade de medidas de prevenção específicas, como reforço na segurança (alarmes, câmeras, iluminação) e conscientização sobre proteção de bens.</a:t>
             </a:r>
           </a:p>
           <a:p>
@@ -4039,21 +4075,19 @@
           <a:p>
             <a:r>
               <a:rPr lang="pt-BR" sz="1100" dirty="0"/>
-              <a:t># LARCENY-THEFT: corresponde a quase 1/3 de todos os registros. Isso reforça a ideia de que crimes contra a propriedade são comuns no </a:t>
-            </a:r>
-            <a:r>
-              <a:rPr lang="pt-BR" sz="1100" dirty="0" err="1"/>
-              <a:t>dataset</a:t>
-            </a:r>
+              <a:t># PERSON (16,1%) | pessoa</a:t>
+            </a:r>
+          </a:p>
+          <a:p>
             <a:r>
               <a:rPr lang="pt-BR" sz="1100" dirty="0"/>
-              <a:t>. </a:t>
+              <a:t># Abrange crimes contra a pessoa, como agressão, homicídio e estupro. </a:t>
             </a:r>
           </a:p>
           <a:p>
             <a:r>
               <a:rPr lang="pt-BR" sz="1100" dirty="0"/>
-              <a:t>## Inclui crimes de furto, geralmente sem uso de força ou violência direta contra a vítima (por exemplo, furtos em lojas, roubos de objetos em veículos destrancados, etc.).</a:t>
+              <a:t># Embora em menor número, têm grande impacto na segurança individual e coletiva, requerendo estratégias direcionadas de proteção e resposta imediata.</a:t>
             </a:r>
           </a:p>
           <a:p>
@@ -4062,53 +4096,50 @@
           <a:p>
             <a:r>
               <a:rPr lang="pt-BR" sz="1100" dirty="0"/>
-              <a:t># BURGLARY: corresponde a quase 11% dos casos, envolvendo invasão de imóveis (residências, estabelecimentos) para cometer furto ou outro delito. </a:t>
+              <a:t># SOCIETY (8,4%) | sociedade</a:t>
             </a:r>
           </a:p>
           <a:p>
             <a:r>
               <a:rPr lang="pt-BR" sz="1100" dirty="0"/>
-              <a:t>## Também se enquadra em crimes contra a propriedade.</a:t>
-            </a:r>
-          </a:p>
-        </p:txBody>
-      </p:sp>
-      <p:pic>
-        <p:nvPicPr>
-          <p:cNvPr id="9" name="Imagem 8">
-            <a:extLst>
-              <a:ext uri="{FF2B5EF4-FFF2-40B4-BE49-F238E27FC236}">
-                <a16:creationId xmlns:a16="http://schemas.microsoft.com/office/drawing/2014/main" id="{2B70BD19-3D19-4444-BC7E-73496751DC65}"/>
-              </a:ext>
-            </a:extLst>
-          </p:cNvPr>
-          <p:cNvPicPr>
-            <a:picLocks noChangeAspect="1"/>
-          </p:cNvPicPr>
-          <p:nvPr/>
-        </p:nvPicPr>
-        <p:blipFill>
-          <a:blip r:embed="rId2"/>
-          <a:stretch>
-            <a:fillRect/>
-          </a:stretch>
-        </p:blipFill>
-        <p:spPr>
-          <a:xfrm>
-            <a:off x="874863" y="2017027"/>
-            <a:ext cx="4289588" cy="1776040"/>
-          </a:xfrm>
-          <a:prstGeom prst="rect">
-            <a:avLst/>
-          </a:prstGeom>
-        </p:spPr>
-      </p:pic>
-      <p:sp>
-        <p:nvSpPr>
-          <p:cNvPr id="11" name="CaixaDeTexto 10">
-            <a:extLst>
-              <a:ext uri="{FF2B5EF4-FFF2-40B4-BE49-F238E27FC236}">
-                <a16:creationId xmlns:a16="http://schemas.microsoft.com/office/drawing/2014/main" id="{0A20DCBF-65F9-400F-9919-5A3AE373CA64}"/>
+              <a:t># Envolve infrações que afetam a ordem pública e a coletividade, a exemplo de porte ilegal de arma, tráfico de drogas, prostituição e crimes ambientais. </a:t>
+            </a:r>
+          </a:p>
+          <a:p>
+            <a:r>
+              <a:rPr lang="pt-BR" sz="1100" dirty="0"/>
+              <a:t># Esse tipo de crime demanda políticas de controle social e intervenções específicas.</a:t>
+            </a:r>
+          </a:p>
+          <a:p>
+            <a:endParaRPr lang="pt-BR" sz="1100" dirty="0"/>
+          </a:p>
+          <a:p>
+            <a:r>
+              <a:rPr lang="pt-BR" sz="1100" dirty="0"/>
+              <a:t># ANY (7,6%) | qualquer</a:t>
+            </a:r>
+          </a:p>
+          <a:p>
+            <a:r>
+              <a:rPr lang="pt-BR" sz="1100" dirty="0"/>
+              <a:t># Classificação genérica para casos em que não é possível determinar outro tipo de crime de forma mais precisa. </a:t>
+            </a:r>
+          </a:p>
+          <a:p>
+            <a:r>
+              <a:rPr lang="pt-BR" sz="1100" dirty="0"/>
+              <a:t># Esse percentual também pode indicar necessidade de aprimorar os métodos de registro e categorização.</a:t>
+            </a:r>
+          </a:p>
+        </p:txBody>
+      </p:sp>
+      <p:sp>
+        <p:nvSpPr>
+          <p:cNvPr id="2" name="CaixaDeTexto 1">
+            <a:extLst>
+              <a:ext uri="{FF2B5EF4-FFF2-40B4-BE49-F238E27FC236}">
+                <a16:creationId xmlns:a16="http://schemas.microsoft.com/office/drawing/2014/main" id="{C80C42C1-72FC-44F2-B74C-6980B83AB226}"/>
               </a:ext>
             </a:extLst>
           </p:cNvPr>
@@ -4117,8 +4148,8 @@
         </p:nvSpPr>
         <p:spPr>
           <a:xfrm>
-            <a:off x="1291167" y="1586827"/>
-            <a:ext cx="3183467" cy="369332"/>
+            <a:off x="4665133" y="2015065"/>
+            <a:ext cx="3149600" cy="369332"/>
           </a:xfrm>
           <a:prstGeom prst="rect">
             <a:avLst/>
@@ -4133,75 +4164,15 @@
           <a:p>
             <a:r>
               <a:rPr lang="pt-BR" dirty="0"/>
-              <a:t>Gráfico top10</a:t>
-            </a:r>
-          </a:p>
-        </p:txBody>
-      </p:sp>
-      <p:pic>
-        <p:nvPicPr>
-          <p:cNvPr id="16" name="Imagem 15">
-            <a:extLst>
-              <a:ext uri="{FF2B5EF4-FFF2-40B4-BE49-F238E27FC236}">
-                <a16:creationId xmlns:a16="http://schemas.microsoft.com/office/drawing/2014/main" id="{71DE8850-3CB8-4A46-8335-9C1820E3A106}"/>
-              </a:ext>
-            </a:extLst>
-          </p:cNvPr>
-          <p:cNvPicPr>
-            <a:picLocks noChangeAspect="1"/>
-          </p:cNvPicPr>
-          <p:nvPr/>
-        </p:nvPicPr>
-        <p:blipFill>
-          <a:blip r:embed="rId3"/>
-          <a:stretch>
-            <a:fillRect/>
-          </a:stretch>
-        </p:blipFill>
-        <p:spPr>
-          <a:xfrm>
-            <a:off x="6725545" y="1674188"/>
-            <a:ext cx="5444066" cy="2161212"/>
-          </a:xfrm>
-          <a:prstGeom prst="rect">
-            <a:avLst/>
-          </a:prstGeom>
-        </p:spPr>
-      </p:pic>
-      <p:pic>
-        <p:nvPicPr>
-          <p:cNvPr id="20" name="Imagem 19">
-            <a:extLst>
-              <a:ext uri="{FF2B5EF4-FFF2-40B4-BE49-F238E27FC236}">
-                <a16:creationId xmlns:a16="http://schemas.microsoft.com/office/drawing/2014/main" id="{5A0551B3-F51E-4304-9F31-FE67F24739D4}"/>
-              </a:ext>
-            </a:extLst>
-          </p:cNvPr>
-          <p:cNvPicPr>
-            <a:picLocks noChangeAspect="1"/>
-          </p:cNvPicPr>
-          <p:nvPr/>
-        </p:nvPicPr>
-        <p:blipFill>
-          <a:blip r:embed="rId4"/>
-          <a:stretch>
-            <a:fillRect/>
-          </a:stretch>
-        </p:blipFill>
-        <p:spPr>
-          <a:xfrm>
-            <a:off x="7973718" y="4165601"/>
-            <a:ext cx="3430882" cy="1084252"/>
-          </a:xfrm>
-          <a:prstGeom prst="rect">
-            <a:avLst/>
-          </a:prstGeom>
-        </p:spPr>
-      </p:pic>
+              <a:t>Mostrar gráficos</a:t>
+            </a:r>
+          </a:p>
+        </p:txBody>
+      </p:sp>
     </p:spTree>
     <p:extLst>
       <p:ext uri="{BB962C8B-B14F-4D97-AF65-F5344CB8AC3E}">
-        <p14:creationId xmlns:p14="http://schemas.microsoft.com/office/powerpoint/2010/main" val="874875999"/>
+        <p14:creationId xmlns:p14="http://schemas.microsoft.com/office/powerpoint/2010/main" val="2352222309"/>
       </p:ext>
     </p:extLst>
   </p:cSld>
@@ -4432,64 +4403,45 @@
       </p:grpSpPr>
       <p:sp>
         <p:nvSpPr>
-          <p:cNvPr id="6" name="Título 1">
-            <a:extLst>
-              <a:ext uri="{FF2B5EF4-FFF2-40B4-BE49-F238E27FC236}">
-                <a16:creationId xmlns:a16="http://schemas.microsoft.com/office/drawing/2014/main" id="{FEEDE772-6CB4-4737-9686-AA525FC915C9}"/>
-              </a:ext>
-            </a:extLst>
-          </p:cNvPr>
-          <p:cNvSpPr txBox="1">
-            <a:spLocks/>
-          </p:cNvSpPr>
-          <p:nvPr/>
+          <p:cNvPr id="2" name="Título 1">
+            <a:extLst>
+              <a:ext uri="{FF2B5EF4-FFF2-40B4-BE49-F238E27FC236}">
+                <a16:creationId xmlns:a16="http://schemas.microsoft.com/office/drawing/2014/main" id="{AF7B20EA-D57C-4833-A489-5DA0EB7A8AA7}"/>
+              </a:ext>
+            </a:extLst>
+          </p:cNvPr>
+          <p:cNvSpPr>
+            <a:spLocks noGrp="1"/>
+          </p:cNvSpPr>
+          <p:nvPr>
+            <p:ph type="title"/>
+          </p:nvPr>
         </p:nvSpPr>
         <p:spPr>
           <a:xfrm>
             <a:off x="728133" y="97895"/>
-            <a:ext cx="440267" cy="583142"/>
-          </a:xfrm>
-          <a:prstGeom prst="rect">
-            <a:avLst/>
-          </a:prstGeom>
-        </p:spPr>
-        <p:txBody>
-          <a:bodyPr vert="horz" lIns="91440" tIns="45720" rIns="91440" bIns="45720" rtlCol="0" anchor="ctr">
-            <a:normAutofit fontScale="97500"/>
+            <a:ext cx="795867" cy="537105"/>
+          </a:xfrm>
+        </p:spPr>
+        <p:txBody>
+          <a:bodyPr>
+            <a:normAutofit fontScale="90000"/>
           </a:bodyPr>
-          <a:lstStyle>
-            <a:lvl1pPr algn="l" defTabSz="914400" rtl="0" eaLnBrk="1" latinLnBrk="0" hangingPunct="1">
-              <a:lnSpc>
-                <a:spcPct val="90000"/>
-              </a:lnSpc>
-              <a:spcBef>
-                <a:spcPct val="0"/>
-              </a:spcBef>
-              <a:buNone/>
-              <a:defRPr sz="4400" kern="1200">
-                <a:solidFill>
-                  <a:schemeClr val="tx1"/>
-                </a:solidFill>
-                <a:latin typeface="+mj-lt"/>
-                <a:ea typeface="+mj-ea"/>
-                <a:cs typeface="+mj-cs"/>
-              </a:defRPr>
-            </a:lvl1pPr>
-          </a:lstStyle>
+          <a:lstStyle/>
           <a:p>
             <a:r>
               <a:rPr lang="pt-BR" sz="3600" dirty="0"/>
-              <a:t>2</a:t>
-            </a:r>
-          </a:p>
-        </p:txBody>
-      </p:sp>
-      <p:sp>
-        <p:nvSpPr>
-          <p:cNvPr id="7" name="CaixaDeTexto 6">
-            <a:extLst>
-              <a:ext uri="{FF2B5EF4-FFF2-40B4-BE49-F238E27FC236}">
-                <a16:creationId xmlns:a16="http://schemas.microsoft.com/office/drawing/2014/main" id="{A1F9FE44-A56A-47C0-8D03-ABB03B23919E}"/>
+              <a:t>1.2</a:t>
+            </a:r>
+          </a:p>
+        </p:txBody>
+      </p:sp>
+      <p:sp>
+        <p:nvSpPr>
+          <p:cNvPr id="4" name="CaixaDeTexto 3">
+            <a:extLst>
+              <a:ext uri="{FF2B5EF4-FFF2-40B4-BE49-F238E27FC236}">
+                <a16:creationId xmlns:a16="http://schemas.microsoft.com/office/drawing/2014/main" id="{F1C96B1C-DD12-432D-B1A5-6FF9A16D7797}"/>
               </a:ext>
             </a:extLst>
           </p:cNvPr>
@@ -4498,8 +4450,8 @@
         </p:nvSpPr>
         <p:spPr>
           <a:xfrm>
-            <a:off x="1718733" y="238667"/>
-            <a:ext cx="9389534" cy="369332"/>
+            <a:off x="1820333" y="204800"/>
+            <a:ext cx="7636933" cy="369332"/>
           </a:xfrm>
           <a:prstGeom prst="rect">
             <a:avLst/>
@@ -4514,7 +4466,80 @@
           <a:p>
             <a:r>
               <a:rPr lang="pt-BR" dirty="0"/>
-              <a:t>#### Existe áreas específicas de Seattle onde a concentração de crimes é consistentemente maior?</a:t>
+              <a:t>#### Quais os tipos de crimes em destaque?</a:t>
+            </a:r>
+          </a:p>
+        </p:txBody>
+      </p:sp>
+      <p:sp>
+        <p:nvSpPr>
+          <p:cNvPr id="3" name="CaixaDeTexto 2">
+            <a:extLst>
+              <a:ext uri="{FF2B5EF4-FFF2-40B4-BE49-F238E27FC236}">
+                <a16:creationId xmlns:a16="http://schemas.microsoft.com/office/drawing/2014/main" id="{D2F23DDC-E233-4AC6-8888-48E4FDCEEB3D}"/>
+              </a:ext>
+            </a:extLst>
+          </p:cNvPr>
+          <p:cNvSpPr txBox="1"/>
+          <p:nvPr/>
+        </p:nvSpPr>
+        <p:spPr>
+          <a:xfrm>
+            <a:off x="524934" y="4428067"/>
+            <a:ext cx="4792133" cy="1954381"/>
+          </a:xfrm>
+          <a:prstGeom prst="rect">
+            <a:avLst/>
+          </a:prstGeom>
+          <a:noFill/>
+        </p:spPr>
+        <p:txBody>
+          <a:bodyPr wrap="square" rtlCol="0">
+            <a:spAutoFit/>
+          </a:bodyPr>
+          <a:lstStyle/>
+          <a:p>
+            <a:r>
+              <a:rPr lang="pt-BR" sz="1100" dirty="0"/>
+              <a:t># ~43% dos crimes se dividem em LARCENY-THEFT (32.1%) e BURGLARY (10.8%).</a:t>
+            </a:r>
+          </a:p>
+          <a:p>
+            <a:endParaRPr lang="pt-BR" sz="1100" dirty="0"/>
+          </a:p>
+          <a:p>
+            <a:r>
+              <a:rPr lang="pt-BR" sz="1100" dirty="0"/>
+              <a:t># LARCENY-THEFT: corresponde a quase 1/3 de todos os registros. Isso reforça a ideia de que crimes contra a propriedade são comuns no </a:t>
+            </a:r>
+            <a:r>
+              <a:rPr lang="pt-BR" sz="1100" dirty="0" err="1"/>
+              <a:t>dataset</a:t>
+            </a:r>
+            <a:r>
+              <a:rPr lang="pt-BR" sz="1100" dirty="0"/>
+              <a:t>. </a:t>
+            </a:r>
+          </a:p>
+          <a:p>
+            <a:r>
+              <a:rPr lang="pt-BR" sz="1100" dirty="0"/>
+              <a:t>## Inclui crimes de furto, geralmente sem uso de força ou violência direta contra a vítima (por exemplo, furtos em lojas, roubos de objetos em veículos destrancados, etc.).</a:t>
+            </a:r>
+          </a:p>
+          <a:p>
+            <a:endParaRPr lang="pt-BR" sz="1100" dirty="0"/>
+          </a:p>
+          <a:p>
+            <a:r>
+              <a:rPr lang="pt-BR" sz="1100" dirty="0"/>
+              <a:t># BURGLARY: corresponde a quase 11% dos casos, envolvendo invasão de imóveis (residências, estabelecimentos) para cometer furto ou outro delito. </a:t>
+            </a:r>
+          </a:p>
+          <a:p>
+            <a:r>
+              <a:rPr lang="pt-BR" sz="1100" dirty="0"/>
+              <a:t>## Também se enquadra em crimes contra a propriedade.</a:t>
             </a:r>
           </a:p>
         </p:txBody>
@@ -4524,7 +4549,7 @@
           <p:cNvPr id="9" name="Imagem 8">
             <a:extLst>
               <a:ext uri="{FF2B5EF4-FFF2-40B4-BE49-F238E27FC236}">
-                <a16:creationId xmlns:a16="http://schemas.microsoft.com/office/drawing/2014/main" id="{48E98EAF-71AD-4D73-8978-DDFC2B64EE9C}"/>
+                <a16:creationId xmlns:a16="http://schemas.microsoft.com/office/drawing/2014/main" id="{2B70BD19-3D19-4444-BC7E-73496751DC65}"/>
               </a:ext>
             </a:extLst>
           </p:cNvPr>
@@ -4541,20 +4566,55 @@
         </p:blipFill>
         <p:spPr>
           <a:xfrm>
-            <a:off x="330384" y="1332970"/>
-            <a:ext cx="3491820" cy="3814763"/>
+            <a:off x="874863" y="2017027"/>
+            <a:ext cx="4289588" cy="1776040"/>
           </a:xfrm>
           <a:prstGeom prst="rect">
             <a:avLst/>
           </a:prstGeom>
         </p:spPr>
       </p:pic>
+      <p:sp>
+        <p:nvSpPr>
+          <p:cNvPr id="11" name="CaixaDeTexto 10">
+            <a:extLst>
+              <a:ext uri="{FF2B5EF4-FFF2-40B4-BE49-F238E27FC236}">
+                <a16:creationId xmlns:a16="http://schemas.microsoft.com/office/drawing/2014/main" id="{0A20DCBF-65F9-400F-9919-5A3AE373CA64}"/>
+              </a:ext>
+            </a:extLst>
+          </p:cNvPr>
+          <p:cNvSpPr txBox="1"/>
+          <p:nvPr/>
+        </p:nvSpPr>
+        <p:spPr>
+          <a:xfrm>
+            <a:off x="1291167" y="1586827"/>
+            <a:ext cx="3183467" cy="369332"/>
+          </a:xfrm>
+          <a:prstGeom prst="rect">
+            <a:avLst/>
+          </a:prstGeom>
+          <a:noFill/>
+        </p:spPr>
+        <p:txBody>
+          <a:bodyPr wrap="square" rtlCol="0">
+            <a:spAutoFit/>
+          </a:bodyPr>
+          <a:lstStyle/>
+          <a:p>
+            <a:r>
+              <a:rPr lang="pt-BR" dirty="0"/>
+              <a:t>Gráfico top10</a:t>
+            </a:r>
+          </a:p>
+        </p:txBody>
+      </p:sp>
       <p:pic>
         <p:nvPicPr>
-          <p:cNvPr id="11" name="Imagem 10">
-            <a:extLst>
-              <a:ext uri="{FF2B5EF4-FFF2-40B4-BE49-F238E27FC236}">
-                <a16:creationId xmlns:a16="http://schemas.microsoft.com/office/drawing/2014/main" id="{82CCA110-2A0F-46BC-A0D4-9DA393E421A9}"/>
+          <p:cNvPr id="16" name="Imagem 15">
+            <a:extLst>
+              <a:ext uri="{FF2B5EF4-FFF2-40B4-BE49-F238E27FC236}">
+                <a16:creationId xmlns:a16="http://schemas.microsoft.com/office/drawing/2014/main" id="{71DE8850-3CB8-4A46-8335-9C1820E3A106}"/>
               </a:ext>
             </a:extLst>
           </p:cNvPr>
@@ -4571,110 +4631,48 @@
         </p:blipFill>
         <p:spPr>
           <a:xfrm>
-            <a:off x="4336550" y="1239836"/>
-            <a:ext cx="2993967" cy="4001030"/>
+            <a:off x="6725545" y="1674188"/>
+            <a:ext cx="5444066" cy="2161212"/>
           </a:xfrm>
           <a:prstGeom prst="rect">
             <a:avLst/>
           </a:prstGeom>
         </p:spPr>
       </p:pic>
-      <p:sp>
-        <p:nvSpPr>
-          <p:cNvPr id="12" name="CaixaDeTexto 11">
-            <a:extLst>
-              <a:ext uri="{FF2B5EF4-FFF2-40B4-BE49-F238E27FC236}">
-                <a16:creationId xmlns:a16="http://schemas.microsoft.com/office/drawing/2014/main" id="{46203D53-C7B3-4F4E-8EC2-26A478796E58}"/>
-              </a:ext>
-            </a:extLst>
-          </p:cNvPr>
-          <p:cNvSpPr txBox="1"/>
+      <p:pic>
+        <p:nvPicPr>
+          <p:cNvPr id="20" name="Imagem 19">
+            <a:extLst>
+              <a:ext uri="{FF2B5EF4-FFF2-40B4-BE49-F238E27FC236}">
+                <a16:creationId xmlns:a16="http://schemas.microsoft.com/office/drawing/2014/main" id="{5A0551B3-F51E-4304-9F31-FE67F24739D4}"/>
+              </a:ext>
+            </a:extLst>
+          </p:cNvPr>
+          <p:cNvPicPr>
+            <a:picLocks noChangeAspect="1"/>
+          </p:cNvPicPr>
           <p:nvPr/>
-        </p:nvSpPr>
-        <p:spPr>
-          <a:xfrm>
-            <a:off x="1007534" y="5519778"/>
-            <a:ext cx="9939867" cy="938719"/>
+        </p:nvPicPr>
+        <p:blipFill>
+          <a:blip r:embed="rId4"/>
+          <a:stretch>
+            <a:fillRect/>
+          </a:stretch>
+        </p:blipFill>
+        <p:spPr>
+          <a:xfrm>
+            <a:off x="7973718" y="4165601"/>
+            <a:ext cx="3430882" cy="1084252"/>
           </a:xfrm>
           <a:prstGeom prst="rect">
             <a:avLst/>
           </a:prstGeom>
-          <a:noFill/>
-        </p:spPr>
-        <p:txBody>
-          <a:bodyPr wrap="square" rtlCol="0">
-            <a:spAutoFit/>
-          </a:bodyPr>
-          <a:lstStyle/>
-          <a:p>
-            <a:r>
-              <a:rPr lang="pt-BR" sz="1100"/>
-              <a:t># As regiões Norte e Oeste (North e West) são as que mais concentram registros de crimes, o que indica que podem ser consideradas as áreas mais perigosas da cidade.</a:t>
-            </a:r>
-          </a:p>
-          <a:p>
-            <a:r>
-              <a:rPr lang="pt-BR" sz="1100"/>
-              <a:t># Por outro lado, a região Sudoeste (Southwest) foi a que apresentou o menor número de ocorrências, sendo a mais segura no período analisado.</a:t>
-            </a:r>
-          </a:p>
-          <a:p>
-            <a:endParaRPr lang="pt-BR" sz="1100"/>
-          </a:p>
-          <a:p>
-            <a:r>
-              <a:rPr lang="pt-BR" sz="1100"/>
-              <a:t># Entre as áreas de patrulhamento (beats), o setor K3, localizado na região Oeste (West), foi o que registrou o maior número de crimes.</a:t>
-            </a:r>
-          </a:p>
-          <a:p>
-            <a:r>
-              <a:rPr lang="pt-BR" sz="1100"/>
-              <a:t># As outras áreas de patrulhamento R2, Q3, U3 e U1, completam as cinco mais perigosas.</a:t>
-            </a:r>
-            <a:endParaRPr lang="pt-BR" sz="1100" dirty="0"/>
-          </a:p>
-        </p:txBody>
-      </p:sp>
-      <p:sp>
-        <p:nvSpPr>
-          <p:cNvPr id="13" name="CaixaDeTexto 12">
-            <a:extLst>
-              <a:ext uri="{FF2B5EF4-FFF2-40B4-BE49-F238E27FC236}">
-                <a16:creationId xmlns:a16="http://schemas.microsoft.com/office/drawing/2014/main" id="{2786A8BD-D0C0-4815-9CA8-08CCC8AE35FF}"/>
-              </a:ext>
-            </a:extLst>
-          </p:cNvPr>
-          <p:cNvSpPr txBox="1"/>
-          <p:nvPr/>
-        </p:nvSpPr>
-        <p:spPr>
-          <a:xfrm>
-            <a:off x="7703052" y="2243666"/>
-            <a:ext cx="3879348" cy="369332"/>
-          </a:xfrm>
-          <a:prstGeom prst="rect">
-            <a:avLst/>
-          </a:prstGeom>
-          <a:noFill/>
-        </p:spPr>
-        <p:txBody>
-          <a:bodyPr wrap="square" rtlCol="0">
-            <a:spAutoFit/>
-          </a:bodyPr>
-          <a:lstStyle/>
-          <a:p>
-            <a:r>
-              <a:rPr lang="pt-BR" dirty="0"/>
-              <a:t>Demonstrar números em tabelas.</a:t>
-            </a:r>
-          </a:p>
-        </p:txBody>
-      </p:sp>
+        </p:spPr>
+      </p:pic>
     </p:spTree>
     <p:extLst>
       <p:ext uri="{BB962C8B-B14F-4D97-AF65-F5344CB8AC3E}">
-        <p14:creationId xmlns:p14="http://schemas.microsoft.com/office/powerpoint/2010/main" val="1237004533"/>
+        <p14:creationId xmlns:p14="http://schemas.microsoft.com/office/powerpoint/2010/main" val="874875999"/>
       </p:ext>
     </p:extLst>
   </p:cSld>
@@ -4750,7 +4748,7 @@
           <a:p>
             <a:r>
               <a:rPr lang="pt-BR" sz="3600" dirty="0"/>
-              <a:t>3</a:t>
+              <a:t>2</a:t>
             </a:r>
           </a:p>
         </p:txBody>
@@ -4785,11 +4783,71 @@
           <a:p>
             <a:r>
               <a:rPr lang="pt-BR" dirty="0"/>
-              <a:t>#### Certas categorias de crime (propriedade, pessoa e sociedade) são mais frequentes?</a:t>
-            </a:r>
-          </a:p>
-        </p:txBody>
-      </p:sp>
+              <a:t>#### Existe áreas específicas de Seattle onde a concentração de crimes é consistentemente maior?</a:t>
+            </a:r>
+          </a:p>
+        </p:txBody>
+      </p:sp>
+      <p:pic>
+        <p:nvPicPr>
+          <p:cNvPr id="9" name="Imagem 8">
+            <a:extLst>
+              <a:ext uri="{FF2B5EF4-FFF2-40B4-BE49-F238E27FC236}">
+                <a16:creationId xmlns:a16="http://schemas.microsoft.com/office/drawing/2014/main" id="{48E98EAF-71AD-4D73-8978-DDFC2B64EE9C}"/>
+              </a:ext>
+            </a:extLst>
+          </p:cNvPr>
+          <p:cNvPicPr>
+            <a:picLocks noChangeAspect="1"/>
+          </p:cNvPicPr>
+          <p:nvPr/>
+        </p:nvPicPr>
+        <p:blipFill>
+          <a:blip r:embed="rId2"/>
+          <a:stretch>
+            <a:fillRect/>
+          </a:stretch>
+        </p:blipFill>
+        <p:spPr>
+          <a:xfrm>
+            <a:off x="330384" y="1332970"/>
+            <a:ext cx="3491820" cy="3814763"/>
+          </a:xfrm>
+          <a:prstGeom prst="rect">
+            <a:avLst/>
+          </a:prstGeom>
+        </p:spPr>
+      </p:pic>
+      <p:pic>
+        <p:nvPicPr>
+          <p:cNvPr id="11" name="Imagem 10">
+            <a:extLst>
+              <a:ext uri="{FF2B5EF4-FFF2-40B4-BE49-F238E27FC236}">
+                <a16:creationId xmlns:a16="http://schemas.microsoft.com/office/drawing/2014/main" id="{82CCA110-2A0F-46BC-A0D4-9DA393E421A9}"/>
+              </a:ext>
+            </a:extLst>
+          </p:cNvPr>
+          <p:cNvPicPr>
+            <a:picLocks noChangeAspect="1"/>
+          </p:cNvPicPr>
+          <p:nvPr/>
+        </p:nvPicPr>
+        <p:blipFill>
+          <a:blip r:embed="rId3"/>
+          <a:stretch>
+            <a:fillRect/>
+          </a:stretch>
+        </p:blipFill>
+        <p:spPr>
+          <a:xfrm>
+            <a:off x="4336550" y="1239836"/>
+            <a:ext cx="2993967" cy="4001030"/>
+          </a:xfrm>
+          <a:prstGeom prst="rect">
+            <a:avLst/>
+          </a:prstGeom>
+        </p:spPr>
+      </p:pic>
       <p:sp>
         <p:nvSpPr>
           <p:cNvPr id="12" name="CaixaDeTexto 11">
@@ -4804,8 +4862,8 @@
         </p:nvSpPr>
         <p:spPr>
           <a:xfrm>
-            <a:off x="1126066" y="3887900"/>
-            <a:ext cx="9939867" cy="2800767"/>
+            <a:off x="1007534" y="5519778"/>
+            <a:ext cx="9939867" cy="938719"/>
           </a:xfrm>
           <a:prstGeom prst="rect">
             <a:avLst/>
@@ -4819,93 +4877,40 @@
           <a:lstStyle/>
           <a:p>
             <a:r>
-              <a:rPr lang="pt-BR" sz="1100" dirty="0"/>
-              <a:t># PROPERTY (67,8%) | propriedade</a:t>
-            </a:r>
-          </a:p>
-          <a:p>
-            <a:r>
-              <a:rPr lang="pt-BR" sz="1100" dirty="0"/>
-              <a:t># Inclui crimes contra a propriedade, como furto, roubo, arrombamento e vandalismo. </a:t>
-            </a:r>
-          </a:p>
-          <a:p>
-            <a:r>
-              <a:rPr lang="pt-BR" sz="1100" dirty="0"/>
-              <a:t># A expressiva quantidade de ocorrências nessa categoria indica necessidade de medidas de prevenção específicas, como reforço na segurança (alarmes, câmeras, iluminação) e conscientização sobre proteção de bens.</a:t>
-            </a:r>
-          </a:p>
-          <a:p>
+              <a:rPr lang="pt-BR" sz="1100"/>
+              <a:t># As regiões Norte e Oeste (North e West) são as que mais concentram registros de crimes, o que indica que podem ser consideradas as áreas mais perigosas da cidade.</a:t>
+            </a:r>
+          </a:p>
+          <a:p>
+            <a:r>
+              <a:rPr lang="pt-BR" sz="1100"/>
+              <a:t># Por outro lado, a região Sudoeste (Southwest) foi a que apresentou o menor número de ocorrências, sendo a mais segura no período analisado.</a:t>
+            </a:r>
+          </a:p>
+          <a:p>
+            <a:endParaRPr lang="pt-BR" sz="1100"/>
+          </a:p>
+          <a:p>
+            <a:r>
+              <a:rPr lang="pt-BR" sz="1100"/>
+              <a:t># Entre as áreas de patrulhamento (beats), o setor K3, localizado na região Oeste (West), foi o que registrou o maior número de crimes.</a:t>
+            </a:r>
+          </a:p>
+          <a:p>
+            <a:r>
+              <a:rPr lang="pt-BR" sz="1100"/>
+              <a:t># As outras áreas de patrulhamento R2, Q3, U3 e U1, completam as cinco mais perigosas.</a:t>
+            </a:r>
             <a:endParaRPr lang="pt-BR" sz="1100" dirty="0"/>
           </a:p>
-          <a:p>
-            <a:r>
-              <a:rPr lang="pt-BR" sz="1100" dirty="0"/>
-              <a:t># PERSON (16,1%) | pessoa</a:t>
-            </a:r>
-          </a:p>
-          <a:p>
-            <a:r>
-              <a:rPr lang="pt-BR" sz="1100" dirty="0"/>
-              <a:t># Abrange crimes contra a pessoa, como agressão, homicídio e estupro. </a:t>
-            </a:r>
-          </a:p>
-          <a:p>
-            <a:r>
-              <a:rPr lang="pt-BR" sz="1100" dirty="0"/>
-              <a:t># Embora em menor número, têm grande impacto na segurança individual e coletiva, requerendo estratégias direcionadas de proteção e resposta imediata.</a:t>
-            </a:r>
-          </a:p>
-          <a:p>
-            <a:endParaRPr lang="pt-BR" sz="1100" dirty="0"/>
-          </a:p>
-          <a:p>
-            <a:r>
-              <a:rPr lang="pt-BR" sz="1100" dirty="0"/>
-              <a:t># SOCIETY (8,4%) | sociedade</a:t>
-            </a:r>
-          </a:p>
-          <a:p>
-            <a:r>
-              <a:rPr lang="pt-BR" sz="1100" dirty="0"/>
-              <a:t># Envolve infrações que afetam a ordem pública e a coletividade, a exemplo de porte ilegal de arma, tráfico de drogas, prostituição e crimes ambientais. </a:t>
-            </a:r>
-          </a:p>
-          <a:p>
-            <a:r>
-              <a:rPr lang="pt-BR" sz="1100" dirty="0"/>
-              <a:t># Esse tipo de crime demanda políticas de controle social e intervenções específicas.</a:t>
-            </a:r>
-          </a:p>
-          <a:p>
-            <a:endParaRPr lang="pt-BR" sz="1100" dirty="0"/>
-          </a:p>
-          <a:p>
-            <a:r>
-              <a:rPr lang="pt-BR" sz="1100" dirty="0"/>
-              <a:t># ANY (7,6%) | qualquer</a:t>
-            </a:r>
-          </a:p>
-          <a:p>
-            <a:r>
-              <a:rPr lang="pt-BR" sz="1100" dirty="0"/>
-              <a:t># Classificação genérica para casos em que não é possível determinar outro tipo de crime de forma mais precisa. </a:t>
-            </a:r>
-          </a:p>
-          <a:p>
-            <a:r>
-              <a:rPr lang="pt-BR" sz="1100" dirty="0"/>
-              <a:t># Esse percentual também pode indicar necessidade de aprimorar os métodos de registro e categorização.</a:t>
-            </a:r>
-          </a:p>
-        </p:txBody>
-      </p:sp>
-      <p:sp>
-        <p:nvSpPr>
-          <p:cNvPr id="2" name="CaixaDeTexto 1">
-            <a:extLst>
-              <a:ext uri="{FF2B5EF4-FFF2-40B4-BE49-F238E27FC236}">
-                <a16:creationId xmlns:a16="http://schemas.microsoft.com/office/drawing/2014/main" id="{C80C42C1-72FC-44F2-B74C-6980B83AB226}"/>
+        </p:txBody>
+      </p:sp>
+      <p:sp>
+        <p:nvSpPr>
+          <p:cNvPr id="13" name="CaixaDeTexto 12">
+            <a:extLst>
+              <a:ext uri="{FF2B5EF4-FFF2-40B4-BE49-F238E27FC236}">
+                <a16:creationId xmlns:a16="http://schemas.microsoft.com/office/drawing/2014/main" id="{2786A8BD-D0C0-4815-9CA8-08CCC8AE35FF}"/>
               </a:ext>
             </a:extLst>
           </p:cNvPr>
@@ -4914,8 +4919,8 @@
         </p:nvSpPr>
         <p:spPr>
           <a:xfrm>
-            <a:off x="4665133" y="2015065"/>
-            <a:ext cx="3149600" cy="369332"/>
+            <a:off x="7703052" y="2243666"/>
+            <a:ext cx="3879348" cy="369332"/>
           </a:xfrm>
           <a:prstGeom prst="rect">
             <a:avLst/>
@@ -4930,7 +4935,7 @@
           <a:p>
             <a:r>
               <a:rPr lang="pt-BR" dirty="0"/>
-              <a:t>Mostrar gráficos</a:t>
+              <a:t>Demonstrar números em tabelas.</a:t>
             </a:r>
           </a:p>
         </p:txBody>
@@ -4938,7 +4943,7 @@
     </p:spTree>
     <p:extLst>
       <p:ext uri="{BB962C8B-B14F-4D97-AF65-F5344CB8AC3E}">
-        <p14:creationId xmlns:p14="http://schemas.microsoft.com/office/powerpoint/2010/main" val="2352222309"/>
+        <p14:creationId xmlns:p14="http://schemas.microsoft.com/office/powerpoint/2010/main" val="1237004533"/>
       </p:ext>
     </p:extLst>
   </p:cSld>

--- a/docs/estruturacao_visualizacao.pptx
+++ b/docs/estruturacao_visualizacao.pptx
@@ -8,8 +8,8 @@
     <p:sldId id="257" r:id="rId2"/>
     <p:sldId id="258" r:id="rId3"/>
     <p:sldId id="260" r:id="rId4"/>
-    <p:sldId id="263" r:id="rId5"/>
-    <p:sldId id="262" r:id="rId6"/>
+    <p:sldId id="262" r:id="rId5"/>
+    <p:sldId id="263" r:id="rId6"/>
     <p:sldId id="259" r:id="rId7"/>
     <p:sldId id="261" r:id="rId8"/>
   </p:sldIdLst>
@@ -4229,7 +4229,7 @@
           <a:p>
             <a:r>
               <a:rPr lang="pt-BR" sz="3600" dirty="0"/>
-              <a:t>1.3</a:t>
+              <a:t>1.2</a:t>
             </a:r>
           </a:p>
         </p:txBody>
@@ -4264,7 +4264,7 @@
           <a:p>
             <a:r>
               <a:rPr lang="pt-BR" dirty="0"/>
-              <a:t>#### Tendência de crimes ao longo do tempo</a:t>
+              <a:t>#### Quais os tipos de crimes em destaque?</a:t>
             </a:r>
           </a:p>
         </p:txBody>
@@ -4284,7 +4284,7 @@
         <p:spPr>
           <a:xfrm>
             <a:off x="524934" y="4428067"/>
-            <a:ext cx="7899400" cy="1785104"/>
+            <a:ext cx="4792133" cy="1954381"/>
           </a:xfrm>
           <a:prstGeom prst="rect">
             <a:avLst/>
@@ -4298,55 +4298,56 @@
           <a:lstStyle/>
           <a:p>
             <a:r>
-              <a:rPr lang="pt-BR" sz="1100"/>
-              <a:t># Com base nos dados apresentados, nota-se um crescimento contínuo nos índices de crimes violentos, como AGGRAVATED ASSAULT, RAPE, Homicídios e KIDNAPPING/ABDUCTION, </a:t>
-            </a:r>
-          </a:p>
-          <a:p>
-            <a:r>
-              <a:rPr lang="pt-BR" sz="1100"/>
-              <a:t># bem como nos crimes contra a propriedade (especialmente BURGLARY, ARSON e MOTOR VEHICLE THEFT). </a:t>
-            </a:r>
-          </a:p>
-          <a:p>
-            <a:endParaRPr lang="pt-BR" sz="1100"/>
-          </a:p>
-          <a:p>
-            <a:r>
-              <a:rPr lang="pt-BR" sz="1100"/>
-              <a:t># Além disso, o ano de 2020 se mostra atípico, com um aumento de 200% em fraudes e extorsões em comparação ao período anterior, </a:t>
-            </a:r>
-          </a:p>
-          <a:p>
-            <a:r>
-              <a:rPr lang="pt-BR" sz="1100"/>
-              <a:t># sugerindo forte influência das condições impostas pela pandemia. </a:t>
-            </a:r>
-          </a:p>
-          <a:p>
-            <a:endParaRPr lang="pt-BR" sz="1100"/>
-          </a:p>
-          <a:p>
-            <a:r>
-              <a:rPr lang="pt-BR" sz="1100"/>
-              <a:t># Em conjunto, esses fatores indicam uma tendência preocupante de intensificação da criminalidade </a:t>
-            </a:r>
-          </a:p>
-          <a:p>
-            <a:r>
-              <a:rPr lang="pt-BR" sz="1100"/>
-              <a:t># e reforçam a necessidade de ações preventivas e de enfrentamento que considerem tanto os aspectos sociais e econômicos quanto a natureza específica de cada delito.</a:t>
-            </a:r>
+              <a:rPr lang="pt-BR" sz="1100" dirty="0"/>
+              <a:t># ~43% dos crimes se dividem em LARCENY-THEFT (32.1%) e BURGLARY (10.8%).</a:t>
+            </a:r>
+          </a:p>
+          <a:p>
             <a:endParaRPr lang="pt-BR" sz="1100" dirty="0"/>
+          </a:p>
+          <a:p>
+            <a:r>
+              <a:rPr lang="pt-BR" sz="1100" dirty="0"/>
+              <a:t># LARCENY-THEFT: corresponde a quase 1/3 de todos os registros. Isso reforça a ideia de que crimes contra a propriedade são comuns no </a:t>
+            </a:r>
+            <a:r>
+              <a:rPr lang="pt-BR" sz="1100" dirty="0" err="1"/>
+              <a:t>dataset</a:t>
+            </a:r>
+            <a:r>
+              <a:rPr lang="pt-BR" sz="1100" dirty="0"/>
+              <a:t>. </a:t>
+            </a:r>
+          </a:p>
+          <a:p>
+            <a:r>
+              <a:rPr lang="pt-BR" sz="1100" dirty="0"/>
+              <a:t>## Inclui crimes de furto, geralmente sem uso de força ou violência direta contra a vítima (por exemplo, furtos em lojas, roubos de objetos em veículos destrancados, etc.).</a:t>
+            </a:r>
+          </a:p>
+          <a:p>
+            <a:endParaRPr lang="pt-BR" sz="1100" dirty="0"/>
+          </a:p>
+          <a:p>
+            <a:r>
+              <a:rPr lang="pt-BR" sz="1100" dirty="0"/>
+              <a:t># BURGLARY: corresponde a quase 11% dos casos, envolvendo invasão de imóveis (residências, estabelecimentos) para cometer furto ou outro delito. </a:t>
+            </a:r>
+          </a:p>
+          <a:p>
+            <a:r>
+              <a:rPr lang="pt-BR" sz="1100" dirty="0"/>
+              <a:t>## Também se enquadra em crimes contra a propriedade.</a:t>
+            </a:r>
           </a:p>
         </p:txBody>
       </p:sp>
       <p:pic>
         <p:nvPicPr>
-          <p:cNvPr id="7" name="Imagem 6">
-            <a:extLst>
-              <a:ext uri="{FF2B5EF4-FFF2-40B4-BE49-F238E27FC236}">
-                <a16:creationId xmlns:a16="http://schemas.microsoft.com/office/drawing/2014/main" id="{854565A5-A97D-4167-9EB6-63EC3DD29E8F}"/>
+          <p:cNvPr id="9" name="Imagem 8">
+            <a:extLst>
+              <a:ext uri="{FF2B5EF4-FFF2-40B4-BE49-F238E27FC236}">
+                <a16:creationId xmlns:a16="http://schemas.microsoft.com/office/drawing/2014/main" id="{2B70BD19-3D19-4444-BC7E-73496751DC65}"/>
               </a:ext>
             </a:extLst>
           </p:cNvPr>
@@ -4363,8 +4364,103 @@
         </p:blipFill>
         <p:spPr>
           <a:xfrm>
-            <a:off x="1820333" y="1848621"/>
-            <a:ext cx="5686004" cy="1673513"/>
+            <a:off x="874863" y="2017027"/>
+            <a:ext cx="4289588" cy="1776040"/>
+          </a:xfrm>
+          <a:prstGeom prst="rect">
+            <a:avLst/>
+          </a:prstGeom>
+        </p:spPr>
+      </p:pic>
+      <p:sp>
+        <p:nvSpPr>
+          <p:cNvPr id="11" name="CaixaDeTexto 10">
+            <a:extLst>
+              <a:ext uri="{FF2B5EF4-FFF2-40B4-BE49-F238E27FC236}">
+                <a16:creationId xmlns:a16="http://schemas.microsoft.com/office/drawing/2014/main" id="{0A20DCBF-65F9-400F-9919-5A3AE373CA64}"/>
+              </a:ext>
+            </a:extLst>
+          </p:cNvPr>
+          <p:cNvSpPr txBox="1"/>
+          <p:nvPr/>
+        </p:nvSpPr>
+        <p:spPr>
+          <a:xfrm>
+            <a:off x="1291167" y="1586827"/>
+            <a:ext cx="3183467" cy="369332"/>
+          </a:xfrm>
+          <a:prstGeom prst="rect">
+            <a:avLst/>
+          </a:prstGeom>
+          <a:noFill/>
+        </p:spPr>
+        <p:txBody>
+          <a:bodyPr wrap="square" rtlCol="0">
+            <a:spAutoFit/>
+          </a:bodyPr>
+          <a:lstStyle/>
+          <a:p>
+            <a:r>
+              <a:rPr lang="pt-BR" dirty="0"/>
+              <a:t>Gráfico top10</a:t>
+            </a:r>
+          </a:p>
+        </p:txBody>
+      </p:sp>
+      <p:pic>
+        <p:nvPicPr>
+          <p:cNvPr id="16" name="Imagem 15">
+            <a:extLst>
+              <a:ext uri="{FF2B5EF4-FFF2-40B4-BE49-F238E27FC236}">
+                <a16:creationId xmlns:a16="http://schemas.microsoft.com/office/drawing/2014/main" id="{71DE8850-3CB8-4A46-8335-9C1820E3A106}"/>
+              </a:ext>
+            </a:extLst>
+          </p:cNvPr>
+          <p:cNvPicPr>
+            <a:picLocks noChangeAspect="1"/>
+          </p:cNvPicPr>
+          <p:nvPr/>
+        </p:nvPicPr>
+        <p:blipFill>
+          <a:blip r:embed="rId3"/>
+          <a:stretch>
+            <a:fillRect/>
+          </a:stretch>
+        </p:blipFill>
+        <p:spPr>
+          <a:xfrm>
+            <a:off x="6725545" y="1674188"/>
+            <a:ext cx="5444066" cy="2161212"/>
+          </a:xfrm>
+          <a:prstGeom prst="rect">
+            <a:avLst/>
+          </a:prstGeom>
+        </p:spPr>
+      </p:pic>
+      <p:pic>
+        <p:nvPicPr>
+          <p:cNvPr id="20" name="Imagem 19">
+            <a:extLst>
+              <a:ext uri="{FF2B5EF4-FFF2-40B4-BE49-F238E27FC236}">
+                <a16:creationId xmlns:a16="http://schemas.microsoft.com/office/drawing/2014/main" id="{5A0551B3-F51E-4304-9F31-FE67F24739D4}"/>
+              </a:ext>
+            </a:extLst>
+          </p:cNvPr>
+          <p:cNvPicPr>
+            <a:picLocks noChangeAspect="1"/>
+          </p:cNvPicPr>
+          <p:nvPr/>
+        </p:nvPicPr>
+        <p:blipFill>
+          <a:blip r:embed="rId4"/>
+          <a:stretch>
+            <a:fillRect/>
+          </a:stretch>
+        </p:blipFill>
+        <p:spPr>
+          <a:xfrm>
+            <a:off x="7973718" y="4165601"/>
+            <a:ext cx="3430882" cy="1084252"/>
           </a:xfrm>
           <a:prstGeom prst="rect">
             <a:avLst/>
@@ -4374,7 +4470,7 @@
     </p:spTree>
     <p:extLst>
       <p:ext uri="{BB962C8B-B14F-4D97-AF65-F5344CB8AC3E}">
-        <p14:creationId xmlns:p14="http://schemas.microsoft.com/office/powerpoint/2010/main" val="3844870731"/>
+        <p14:creationId xmlns:p14="http://schemas.microsoft.com/office/powerpoint/2010/main" val="874875999"/>
       </p:ext>
     </p:extLst>
   </p:cSld>
@@ -4431,7 +4527,7 @@
           <a:p>
             <a:r>
               <a:rPr lang="pt-BR" sz="3600" dirty="0"/>
-              <a:t>1.2</a:t>
+              <a:t>1.3</a:t>
             </a:r>
           </a:p>
         </p:txBody>
@@ -4466,7 +4562,7 @@
           <a:p>
             <a:r>
               <a:rPr lang="pt-BR" dirty="0"/>
-              <a:t>#### Quais os tipos de crimes em destaque?</a:t>
+              <a:t>#### Tendência de crimes ao longo do tempo</a:t>
             </a:r>
           </a:p>
         </p:txBody>
@@ -4486,7 +4582,7 @@
         <p:spPr>
           <a:xfrm>
             <a:off x="524934" y="4428067"/>
-            <a:ext cx="4792133" cy="1954381"/>
+            <a:ext cx="7899400" cy="1785104"/>
           </a:xfrm>
           <a:prstGeom prst="rect">
             <a:avLst/>
@@ -4500,56 +4596,55 @@
           <a:lstStyle/>
           <a:p>
             <a:r>
-              <a:rPr lang="pt-BR" sz="1100" dirty="0"/>
-              <a:t># ~43% dos crimes se dividem em LARCENY-THEFT (32.1%) e BURGLARY (10.8%).</a:t>
-            </a:r>
-          </a:p>
-          <a:p>
+              <a:rPr lang="pt-BR" sz="1100"/>
+              <a:t># Com base nos dados apresentados, nota-se um crescimento contínuo nos índices de crimes violentos, como AGGRAVATED ASSAULT, RAPE, Homicídios e KIDNAPPING/ABDUCTION, </a:t>
+            </a:r>
+          </a:p>
+          <a:p>
+            <a:r>
+              <a:rPr lang="pt-BR" sz="1100"/>
+              <a:t># bem como nos crimes contra a propriedade (especialmente BURGLARY, ARSON e MOTOR VEHICLE THEFT). </a:t>
+            </a:r>
+          </a:p>
+          <a:p>
+            <a:endParaRPr lang="pt-BR" sz="1100"/>
+          </a:p>
+          <a:p>
+            <a:r>
+              <a:rPr lang="pt-BR" sz="1100"/>
+              <a:t># Além disso, o ano de 2020 se mostra atípico, com um aumento de 200% em fraudes e extorsões em comparação ao período anterior, </a:t>
+            </a:r>
+          </a:p>
+          <a:p>
+            <a:r>
+              <a:rPr lang="pt-BR" sz="1100"/>
+              <a:t># sugerindo forte influência das condições impostas pela pandemia. </a:t>
+            </a:r>
+          </a:p>
+          <a:p>
+            <a:endParaRPr lang="pt-BR" sz="1100"/>
+          </a:p>
+          <a:p>
+            <a:r>
+              <a:rPr lang="pt-BR" sz="1100"/>
+              <a:t># Em conjunto, esses fatores indicam uma tendência preocupante de intensificação da criminalidade </a:t>
+            </a:r>
+          </a:p>
+          <a:p>
+            <a:r>
+              <a:rPr lang="pt-BR" sz="1100"/>
+              <a:t># e reforçam a necessidade de ações preventivas e de enfrentamento que considerem tanto os aspectos sociais e econômicos quanto a natureza específica de cada delito.</a:t>
+            </a:r>
             <a:endParaRPr lang="pt-BR" sz="1100" dirty="0"/>
-          </a:p>
-          <a:p>
-            <a:r>
-              <a:rPr lang="pt-BR" sz="1100" dirty="0"/>
-              <a:t># LARCENY-THEFT: corresponde a quase 1/3 de todos os registros. Isso reforça a ideia de que crimes contra a propriedade são comuns no </a:t>
-            </a:r>
-            <a:r>
-              <a:rPr lang="pt-BR" sz="1100" dirty="0" err="1"/>
-              <a:t>dataset</a:t>
-            </a:r>
-            <a:r>
-              <a:rPr lang="pt-BR" sz="1100" dirty="0"/>
-              <a:t>. </a:t>
-            </a:r>
-          </a:p>
-          <a:p>
-            <a:r>
-              <a:rPr lang="pt-BR" sz="1100" dirty="0"/>
-              <a:t>## Inclui crimes de furto, geralmente sem uso de força ou violência direta contra a vítima (por exemplo, furtos em lojas, roubos de objetos em veículos destrancados, etc.).</a:t>
-            </a:r>
-          </a:p>
-          <a:p>
-            <a:endParaRPr lang="pt-BR" sz="1100" dirty="0"/>
-          </a:p>
-          <a:p>
-            <a:r>
-              <a:rPr lang="pt-BR" sz="1100" dirty="0"/>
-              <a:t># BURGLARY: corresponde a quase 11% dos casos, envolvendo invasão de imóveis (residências, estabelecimentos) para cometer furto ou outro delito. </a:t>
-            </a:r>
-          </a:p>
-          <a:p>
-            <a:r>
-              <a:rPr lang="pt-BR" sz="1100" dirty="0"/>
-              <a:t>## Também se enquadra em crimes contra a propriedade.</a:t>
-            </a:r>
           </a:p>
         </p:txBody>
       </p:sp>
       <p:pic>
         <p:nvPicPr>
-          <p:cNvPr id="9" name="Imagem 8">
-            <a:extLst>
-              <a:ext uri="{FF2B5EF4-FFF2-40B4-BE49-F238E27FC236}">
-                <a16:creationId xmlns:a16="http://schemas.microsoft.com/office/drawing/2014/main" id="{2B70BD19-3D19-4444-BC7E-73496751DC65}"/>
+          <p:cNvPr id="7" name="Imagem 6">
+            <a:extLst>
+              <a:ext uri="{FF2B5EF4-FFF2-40B4-BE49-F238E27FC236}">
+                <a16:creationId xmlns:a16="http://schemas.microsoft.com/office/drawing/2014/main" id="{854565A5-A97D-4167-9EB6-63EC3DD29E8F}"/>
               </a:ext>
             </a:extLst>
           </p:cNvPr>
@@ -4566,103 +4661,8 @@
         </p:blipFill>
         <p:spPr>
           <a:xfrm>
-            <a:off x="874863" y="2017027"/>
-            <a:ext cx="4289588" cy="1776040"/>
-          </a:xfrm>
-          <a:prstGeom prst="rect">
-            <a:avLst/>
-          </a:prstGeom>
-        </p:spPr>
-      </p:pic>
-      <p:sp>
-        <p:nvSpPr>
-          <p:cNvPr id="11" name="CaixaDeTexto 10">
-            <a:extLst>
-              <a:ext uri="{FF2B5EF4-FFF2-40B4-BE49-F238E27FC236}">
-                <a16:creationId xmlns:a16="http://schemas.microsoft.com/office/drawing/2014/main" id="{0A20DCBF-65F9-400F-9919-5A3AE373CA64}"/>
-              </a:ext>
-            </a:extLst>
-          </p:cNvPr>
-          <p:cNvSpPr txBox="1"/>
-          <p:nvPr/>
-        </p:nvSpPr>
-        <p:spPr>
-          <a:xfrm>
-            <a:off x="1291167" y="1586827"/>
-            <a:ext cx="3183467" cy="369332"/>
-          </a:xfrm>
-          <a:prstGeom prst="rect">
-            <a:avLst/>
-          </a:prstGeom>
-          <a:noFill/>
-        </p:spPr>
-        <p:txBody>
-          <a:bodyPr wrap="square" rtlCol="0">
-            <a:spAutoFit/>
-          </a:bodyPr>
-          <a:lstStyle/>
-          <a:p>
-            <a:r>
-              <a:rPr lang="pt-BR" dirty="0"/>
-              <a:t>Gráfico top10</a:t>
-            </a:r>
-          </a:p>
-        </p:txBody>
-      </p:sp>
-      <p:pic>
-        <p:nvPicPr>
-          <p:cNvPr id="16" name="Imagem 15">
-            <a:extLst>
-              <a:ext uri="{FF2B5EF4-FFF2-40B4-BE49-F238E27FC236}">
-                <a16:creationId xmlns:a16="http://schemas.microsoft.com/office/drawing/2014/main" id="{71DE8850-3CB8-4A46-8335-9C1820E3A106}"/>
-              </a:ext>
-            </a:extLst>
-          </p:cNvPr>
-          <p:cNvPicPr>
-            <a:picLocks noChangeAspect="1"/>
-          </p:cNvPicPr>
-          <p:nvPr/>
-        </p:nvPicPr>
-        <p:blipFill>
-          <a:blip r:embed="rId3"/>
-          <a:stretch>
-            <a:fillRect/>
-          </a:stretch>
-        </p:blipFill>
-        <p:spPr>
-          <a:xfrm>
-            <a:off x="6725545" y="1674188"/>
-            <a:ext cx="5444066" cy="2161212"/>
-          </a:xfrm>
-          <a:prstGeom prst="rect">
-            <a:avLst/>
-          </a:prstGeom>
-        </p:spPr>
-      </p:pic>
-      <p:pic>
-        <p:nvPicPr>
-          <p:cNvPr id="20" name="Imagem 19">
-            <a:extLst>
-              <a:ext uri="{FF2B5EF4-FFF2-40B4-BE49-F238E27FC236}">
-                <a16:creationId xmlns:a16="http://schemas.microsoft.com/office/drawing/2014/main" id="{5A0551B3-F51E-4304-9F31-FE67F24739D4}"/>
-              </a:ext>
-            </a:extLst>
-          </p:cNvPr>
-          <p:cNvPicPr>
-            <a:picLocks noChangeAspect="1"/>
-          </p:cNvPicPr>
-          <p:nvPr/>
-        </p:nvPicPr>
-        <p:blipFill>
-          <a:blip r:embed="rId4"/>
-          <a:stretch>
-            <a:fillRect/>
-          </a:stretch>
-        </p:blipFill>
-        <p:spPr>
-          <a:xfrm>
-            <a:off x="7973718" y="4165601"/>
-            <a:ext cx="3430882" cy="1084252"/>
+            <a:off x="1820333" y="1848621"/>
+            <a:ext cx="5686004" cy="1673513"/>
           </a:xfrm>
           <a:prstGeom prst="rect">
             <a:avLst/>
@@ -4672,7 +4672,7 @@
     </p:spTree>
     <p:extLst>
       <p:ext uri="{BB962C8B-B14F-4D97-AF65-F5344CB8AC3E}">
-        <p14:creationId xmlns:p14="http://schemas.microsoft.com/office/powerpoint/2010/main" val="874875999"/>
+        <p14:creationId xmlns:p14="http://schemas.microsoft.com/office/powerpoint/2010/main" val="3844870731"/>
       </p:ext>
     </p:extLst>
   </p:cSld>

--- a/docs/estruturacao_visualizacao.pptx
+++ b/docs/estruturacao_visualizacao.pptx
@@ -265,7 +265,7 @@
           <a:p>
             <a:fld id="{9FDAAB33-10A6-49C1-A3ED-1435EF09CB24}" type="datetimeFigureOut">
               <a:rPr lang="pt-BR" smtClean="0"/>
-              <a:t>14/04/2025</a:t>
+              <a:t>15/04/2025</a:t>
             </a:fld>
             <a:endParaRPr lang="pt-BR"/>
           </a:p>
@@ -463,7 +463,7 @@
           <a:p>
             <a:fld id="{9FDAAB33-10A6-49C1-A3ED-1435EF09CB24}" type="datetimeFigureOut">
               <a:rPr lang="pt-BR" smtClean="0"/>
-              <a:t>14/04/2025</a:t>
+              <a:t>15/04/2025</a:t>
             </a:fld>
             <a:endParaRPr lang="pt-BR"/>
           </a:p>
@@ -671,7 +671,7 @@
           <a:p>
             <a:fld id="{9FDAAB33-10A6-49C1-A3ED-1435EF09CB24}" type="datetimeFigureOut">
               <a:rPr lang="pt-BR" smtClean="0"/>
-              <a:t>14/04/2025</a:t>
+              <a:t>15/04/2025</a:t>
             </a:fld>
             <a:endParaRPr lang="pt-BR"/>
           </a:p>
@@ -869,7 +869,7 @@
           <a:p>
             <a:fld id="{9FDAAB33-10A6-49C1-A3ED-1435EF09CB24}" type="datetimeFigureOut">
               <a:rPr lang="pt-BR" smtClean="0"/>
-              <a:t>14/04/2025</a:t>
+              <a:t>15/04/2025</a:t>
             </a:fld>
             <a:endParaRPr lang="pt-BR"/>
           </a:p>
@@ -1144,7 +1144,7 @@
           <a:p>
             <a:fld id="{9FDAAB33-10A6-49C1-A3ED-1435EF09CB24}" type="datetimeFigureOut">
               <a:rPr lang="pt-BR" smtClean="0"/>
-              <a:t>14/04/2025</a:t>
+              <a:t>15/04/2025</a:t>
             </a:fld>
             <a:endParaRPr lang="pt-BR"/>
           </a:p>
@@ -1409,7 +1409,7 @@
           <a:p>
             <a:fld id="{9FDAAB33-10A6-49C1-A3ED-1435EF09CB24}" type="datetimeFigureOut">
               <a:rPr lang="pt-BR" smtClean="0"/>
-              <a:t>14/04/2025</a:t>
+              <a:t>15/04/2025</a:t>
             </a:fld>
             <a:endParaRPr lang="pt-BR"/>
           </a:p>
@@ -1821,7 +1821,7 @@
           <a:p>
             <a:fld id="{9FDAAB33-10A6-49C1-A3ED-1435EF09CB24}" type="datetimeFigureOut">
               <a:rPr lang="pt-BR" smtClean="0"/>
-              <a:t>14/04/2025</a:t>
+              <a:t>15/04/2025</a:t>
             </a:fld>
             <a:endParaRPr lang="pt-BR"/>
           </a:p>
@@ -1962,7 +1962,7 @@
           <a:p>
             <a:fld id="{9FDAAB33-10A6-49C1-A3ED-1435EF09CB24}" type="datetimeFigureOut">
               <a:rPr lang="pt-BR" smtClean="0"/>
-              <a:t>14/04/2025</a:t>
+              <a:t>15/04/2025</a:t>
             </a:fld>
             <a:endParaRPr lang="pt-BR"/>
           </a:p>
@@ -2075,7 +2075,7 @@
           <a:p>
             <a:fld id="{9FDAAB33-10A6-49C1-A3ED-1435EF09CB24}" type="datetimeFigureOut">
               <a:rPr lang="pt-BR" smtClean="0"/>
-              <a:t>14/04/2025</a:t>
+              <a:t>15/04/2025</a:t>
             </a:fld>
             <a:endParaRPr lang="pt-BR"/>
           </a:p>
@@ -2386,7 +2386,7 @@
           <a:p>
             <a:fld id="{9FDAAB33-10A6-49C1-A3ED-1435EF09CB24}" type="datetimeFigureOut">
               <a:rPr lang="pt-BR" smtClean="0"/>
-              <a:t>14/04/2025</a:t>
+              <a:t>15/04/2025</a:t>
             </a:fld>
             <a:endParaRPr lang="pt-BR"/>
           </a:p>
@@ -2674,7 +2674,7 @@
           <a:p>
             <a:fld id="{9FDAAB33-10A6-49C1-A3ED-1435EF09CB24}" type="datetimeFigureOut">
               <a:rPr lang="pt-BR" smtClean="0"/>
-              <a:t>14/04/2025</a:t>
+              <a:t>15/04/2025</a:t>
             </a:fld>
             <a:endParaRPr lang="pt-BR"/>
           </a:p>
@@ -2915,7 +2915,7 @@
           <a:p>
             <a:fld id="{9FDAAB33-10A6-49C1-A3ED-1435EF09CB24}" type="datetimeFigureOut">
               <a:rPr lang="pt-BR" smtClean="0"/>
-              <a:t>14/04/2025</a:t>
+              <a:t>15/04/2025</a:t>
             </a:fld>
             <a:endParaRPr lang="pt-BR"/>
           </a:p>
@@ -4768,7 +4768,7 @@
         <p:spPr>
           <a:xfrm>
             <a:off x="1718733" y="238667"/>
-            <a:ext cx="9389534" cy="369332"/>
+            <a:ext cx="9389534" cy="646331"/>
           </a:xfrm>
           <a:prstGeom prst="rect">
             <a:avLst/>
@@ -4783,7 +4783,7 @@
           <a:p>
             <a:r>
               <a:rPr lang="pt-BR" dirty="0"/>
-              <a:t>#### Existe áreas específicas de Seattle onde a concentração de crimes é consistentemente maior?</a:t>
+              <a:t>#### Existem áreas específicas de Seattle onde a concentração de crimes é consistentemente maior?</a:t>
             </a:r>
           </a:p>
         </p:txBody>
